--- a/ML #1/regression.pptx
+++ b/ML #1/regression.pptx
@@ -7092,7 +7092,7 @@
                   <a:srgbClr val="FFFFFF"/>
                 </a:highlight>
               </a:rPr>
-              <a:t> Class - 10</a:t>
+              <a:t> Class - 11</a:t>
             </a:r>
             <a:endParaRPr sz="4100" dirty="0"/>
           </a:p>
@@ -8543,8 +8543,8 @@
               <a:buNone/>
             </a:pPr>
             <a:r>
-              <a:rPr lang="en" sz="2800" dirty="0"/>
-              <a:t>Assignment</a:t>
+              <a:rPr lang="en" sz="2800"/>
+              <a:t>Self-study</a:t>
             </a:r>
             <a:endParaRPr sz="2800" dirty="0">
               <a:solidFill>
